--- a/Tecnologia da Informação e Conectividade/03-Camada Fisica.pptx
+++ b/Tecnologia da Informação e Conectividade/03-Camada Fisica.pptx
@@ -5,7 +5,7 @@
     <p:sldMasterId id="2147483720" r:id="rId1"/>
   </p:sldMasterIdLst>
   <p:notesMasterIdLst>
-    <p:notesMasterId r:id="rId35"/>
+    <p:notesMasterId r:id="rId36"/>
   </p:notesMasterIdLst>
   <p:sldIdLst>
     <p:sldId id="256" r:id="rId2"/>
@@ -38,9 +38,10 @@
     <p:sldId id="287" r:id="rId29"/>
     <p:sldId id="289" r:id="rId30"/>
     <p:sldId id="288" r:id="rId31"/>
-    <p:sldId id="290" r:id="rId32"/>
-    <p:sldId id="258" r:id="rId33"/>
-    <p:sldId id="285" r:id="rId34"/>
+    <p:sldId id="291" r:id="rId32"/>
+    <p:sldId id="290" r:id="rId33"/>
+    <p:sldId id="258" r:id="rId34"/>
+    <p:sldId id="285" r:id="rId35"/>
   </p:sldIdLst>
   <p:sldSz cx="12192000" cy="6858000"/>
   <p:notesSz cx="6858000" cy="9144000"/>
@@ -139,6 +140,11 @@
       </a:defRPr>
     </a:lvl9pPr>
   </p:defaultTextStyle>
+  <p:extLst>
+    <p:ext uri="{EFAFB233-063F-42B5-8137-9DF3F51BA10A}">
+      <p15:sldGuideLst xmlns:p15="http://schemas.microsoft.com/office/powerpoint/2012/main"/>
+    </p:ext>
+  </p:extLst>
 </p:presentation>
 </file>
 
@@ -6690,7 +6696,7 @@
           <a:p>
             <a:fld id="{2892B837-0E93-4FA3-B120-BE986D2A16D6}" type="slidenum">
               <a:rPr lang="en-US" smtClean="0"/>
-              <a:t>33</a:t>
+              <a:t>34</a:t>
             </a:fld>
             <a:endParaRPr lang="en-US"/>
           </a:p>
@@ -17120,7 +17126,7 @@
         <p:cNvPr id="1" name="">
           <a:extLst>
             <a:ext uri="{FF2B5EF4-FFF2-40B4-BE49-F238E27FC236}">
-              <a16:creationId xmlns:a16="http://schemas.microsoft.com/office/drawing/2014/main" id="{871455F1-AA41-63D4-F61F-75E7125F6258}"/>
+              <a16:creationId xmlns:a16="http://schemas.microsoft.com/office/drawing/2014/main" id="{18AF18DD-39A7-06E6-5398-7799525B1222}"/>
             </a:ext>
           </a:extLst>
         </p:cNvPr>
@@ -17140,7 +17146,7 @@
           <p:cNvPr id="8" name="Rectangle 7">
             <a:extLst>
               <a:ext uri="{FF2B5EF4-FFF2-40B4-BE49-F238E27FC236}">
-                <a16:creationId xmlns:a16="http://schemas.microsoft.com/office/drawing/2014/main" id="{49EF254B-2717-7253-77B1-F707183C6ED3}"/>
+                <a16:creationId xmlns:a16="http://schemas.microsoft.com/office/drawing/2014/main" id="{218C876D-0DD6-AF5C-185E-831979E85772}"/>
               </a:ext>
               <a:ext uri="{C183D7F6-B498-43B3-948B-1728B52AA6E4}">
                 <adec:decorative xmlns:adec="http://schemas.microsoft.com/office/drawing/2017/decorative" val="1"/>
@@ -17204,7 +17210,7 @@
           <p:cNvPr id="10" name="Rectangle 9">
             <a:extLst>
               <a:ext uri="{FF2B5EF4-FFF2-40B4-BE49-F238E27FC236}">
-                <a16:creationId xmlns:a16="http://schemas.microsoft.com/office/drawing/2014/main" id="{C05F78FD-A2DB-4968-4262-4CA51FF53814}"/>
+                <a16:creationId xmlns:a16="http://schemas.microsoft.com/office/drawing/2014/main" id="{7C34907E-2939-AF45-2526-41AC9A204DA3}"/>
               </a:ext>
               <a:ext uri="{C183D7F6-B498-43B3-948B-1728B52AA6E4}">
                 <adec:decorative xmlns:adec="http://schemas.microsoft.com/office/drawing/2017/decorative" val="1"/>
@@ -17268,7 +17274,7 @@
           <p:cNvPr id="2" name="Title 1">
             <a:extLst>
               <a:ext uri="{FF2B5EF4-FFF2-40B4-BE49-F238E27FC236}">
-                <a16:creationId xmlns:a16="http://schemas.microsoft.com/office/drawing/2014/main" id="{A99EBBEA-E40C-F462-EFA5-0DDA15A620FB}"/>
+                <a16:creationId xmlns:a16="http://schemas.microsoft.com/office/drawing/2014/main" id="{A7E51483-B8BE-6DC2-6E14-15D823B0DE23}"/>
               </a:ext>
             </a:extLst>
           </p:cNvPr>
@@ -17292,13 +17298,335 @@
           <a:lstStyle/>
           <a:p>
             <a:r>
-              <a:rPr lang="en-US" b="1">
+              <a:rPr lang="en-US" b="1" dirty="0" err="1">
+                <a:solidFill>
+                  <a:srgbClr val="FFFFFF"/>
+                </a:solidFill>
+              </a:rPr>
+              <a:t>Modulação</a:t>
+            </a:r>
+            <a:endParaRPr lang="en-US" b="1" dirty="0">
+              <a:solidFill>
+                <a:srgbClr val="FFFFFF"/>
+              </a:solidFill>
+            </a:endParaRPr>
+          </a:p>
+        </p:txBody>
+      </p:sp>
+      <p:sp>
+        <p:nvSpPr>
+          <p:cNvPr id="3" name="Content Placeholder 2">
+            <a:extLst>
+              <a:ext uri="{FF2B5EF4-FFF2-40B4-BE49-F238E27FC236}">
+                <a16:creationId xmlns:a16="http://schemas.microsoft.com/office/drawing/2014/main" id="{8D1EC25A-FE11-0183-FD6B-135340B0B93C}"/>
+              </a:ext>
+            </a:extLst>
+          </p:cNvPr>
+          <p:cNvSpPr>
+            <a:spLocks noGrp="1"/>
+          </p:cNvSpPr>
+          <p:nvPr>
+            <p:ph idx="1"/>
+          </p:nvPr>
+        </p:nvSpPr>
+        <p:spPr>
+          <a:xfrm>
+            <a:off x="1071846" y="2973313"/>
+            <a:ext cx="10040233" cy="3241220"/>
+          </a:xfrm>
+        </p:spPr>
+        <p:txBody>
+          <a:bodyPr>
+            <a:normAutofit fontScale="85000" lnSpcReduction="10000"/>
+          </a:bodyPr>
+          <a:lstStyle/>
+          <a:p>
+            <a:r>
+              <a:rPr lang="pt-BR" dirty="0"/>
+              <a:t>A modulação é o processo de converter um sinal digital (sequência de bits) em um sinal analógico adequado para o meio de transmissão (cabo de cobre, rádio, fibra óptica). Isso é feito alterando propriedades de uma onda portadora (geralmente senoidal).</a:t>
+            </a:r>
+          </a:p>
+          <a:p>
+            <a:r>
+              <a:rPr lang="pt-BR" dirty="0"/>
+              <a:t>Principais tipos de modulação:</a:t>
+            </a:r>
+          </a:p>
+          <a:p>
+            <a:pPr lvl="1"/>
+            <a:r>
+              <a:rPr lang="pt-BR" b="1" dirty="0"/>
+              <a:t>ASK (Amplitude Shift Keying) </a:t>
+            </a:r>
+            <a:r>
+              <a:rPr lang="pt-BR" dirty="0"/>
+              <a:t>– a amplitude da portadora varia conforme os bits (1 → amplitude alta, 0 → amplitude baixa).</a:t>
+            </a:r>
+          </a:p>
+          <a:p>
+            <a:pPr lvl="1"/>
+            <a:r>
+              <a:rPr lang="pt-BR" b="1" dirty="0"/>
+              <a:t>FSK (Frequency Shift Keying) </a:t>
+            </a:r>
+            <a:r>
+              <a:rPr lang="pt-BR" dirty="0"/>
+              <a:t>– a frequência da portadora varia (bit 1 → frequência f1, bit 0 → frequência f0).</a:t>
+            </a:r>
+          </a:p>
+          <a:p>
+            <a:pPr lvl="1"/>
+            <a:r>
+              <a:rPr lang="pt-BR" b="1" dirty="0"/>
+              <a:t>PSK (Phase Shift Keying)</a:t>
+            </a:r>
+            <a:r>
+              <a:rPr lang="pt-BR" dirty="0"/>
+              <a:t> – a fase da portadora é alterada de acordo com os bits transmitidos.</a:t>
+            </a:r>
+          </a:p>
+          <a:p>
+            <a:pPr lvl="1"/>
+            <a:r>
+              <a:rPr lang="pt-BR" b="1" dirty="0"/>
+              <a:t>QAM (Quadrature Amplitude Modulation) </a:t>
+            </a:r>
+            <a:r>
+              <a:rPr lang="pt-BR" dirty="0"/>
+              <a:t>– combinação de amplitude + fase, permitindo transmitir vários bits por símbolo.</a:t>
+            </a:r>
+          </a:p>
+        </p:txBody>
+      </p:sp>
+    </p:spTree>
+    <p:extLst>
+      <p:ext uri="{BB962C8B-B14F-4D97-AF65-F5344CB8AC3E}">
+        <p14:creationId xmlns:p14="http://schemas.microsoft.com/office/powerpoint/2010/main" val="2438350357"/>
+      </p:ext>
+    </p:extLst>
+  </p:cSld>
+  <p:clrMapOvr>
+    <a:masterClrMapping/>
+  </p:clrMapOvr>
+</p:sld>
+</file>
+
+<file path=ppt/slides/slide32.xml><?xml version="1.0" encoding="utf-8"?>
+<p:sld xmlns:a="http://schemas.openxmlformats.org/drawingml/2006/main" xmlns:r="http://schemas.openxmlformats.org/officeDocument/2006/relationships" xmlns:p="http://schemas.openxmlformats.org/presentationml/2006/main">
+  <p:cSld>
+    <p:bg>
+      <p:bgPr>
+        <a:solidFill>
+          <a:schemeClr val="bg1"/>
+        </a:solidFill>
+        <a:effectLst/>
+      </p:bgPr>
+    </p:bg>
+    <p:spTree>
+      <p:nvGrpSpPr>
+        <p:cNvPr id="1" name="">
+          <a:extLst>
+            <a:ext uri="{FF2B5EF4-FFF2-40B4-BE49-F238E27FC236}">
+              <a16:creationId xmlns:a16="http://schemas.microsoft.com/office/drawing/2014/main" id="{871455F1-AA41-63D4-F61F-75E7125F6258}"/>
+            </a:ext>
+          </a:extLst>
+        </p:cNvPr>
+        <p:cNvGrpSpPr/>
+        <p:nvPr/>
+      </p:nvGrpSpPr>
+      <p:grpSpPr>
+        <a:xfrm>
+          <a:off x="0" y="0"/>
+          <a:ext cx="0" cy="0"/>
+          <a:chOff x="0" y="0"/>
+          <a:chExt cx="0" cy="0"/>
+        </a:xfrm>
+      </p:grpSpPr>
+      <p:sp>
+        <p:nvSpPr>
+          <p:cNvPr id="8" name="Rectangle 7">
+            <a:extLst>
+              <a:ext uri="{FF2B5EF4-FFF2-40B4-BE49-F238E27FC236}">
+                <a16:creationId xmlns:a16="http://schemas.microsoft.com/office/drawing/2014/main" id="{49EF254B-2717-7253-77B1-F707183C6ED3}"/>
+              </a:ext>
+              <a:ext uri="{C183D7F6-B498-43B3-948B-1728B52AA6E4}">
+                <adec:decorative xmlns:adec="http://schemas.microsoft.com/office/drawing/2017/decorative" val="1"/>
+              </a:ext>
+            </a:extLst>
+          </p:cNvPr>
+          <p:cNvSpPr>
+            <a:spLocks noGrp="1" noRot="1" noChangeAspect="1" noMove="1" noResize="1" noEditPoints="1" noAdjustHandles="1" noChangeArrowheads="1" noChangeShapeType="1" noTextEdit="1"/>
+          </p:cNvSpPr>
+          <p:nvPr>
+            <p:extLst>
+              <p:ext uri="{386F3935-93C4-4BCD-93E2-E3B085C9AB24}">
+                <p16:designElem xmlns:p16="http://schemas.microsoft.com/office/powerpoint/2015/main" val="1"/>
+              </p:ext>
+            </p:extLst>
+          </p:nvPr>
+        </p:nvSpPr>
+        <p:spPr>
+          <a:xfrm>
+            <a:off x="643467" y="643467"/>
+            <a:ext cx="10905065" cy="1989682"/>
+          </a:xfrm>
+          <a:prstGeom prst="rect">
+            <a:avLst/>
+          </a:prstGeom>
+          <a:solidFill>
+            <a:schemeClr val="accent1"/>
+          </a:solidFill>
+          <a:ln cap="sq">
+            <a:noFill/>
+            <a:miter lim="800000"/>
+          </a:ln>
+        </p:spPr>
+        <p:style>
+          <a:lnRef idx="2">
+            <a:schemeClr val="accent1">
+              <a:shade val="50000"/>
+            </a:schemeClr>
+          </a:lnRef>
+          <a:fillRef idx="1">
+            <a:schemeClr val="accent1"/>
+          </a:fillRef>
+          <a:effectRef idx="0">
+            <a:schemeClr val="accent1"/>
+          </a:effectRef>
+          <a:fontRef idx="minor">
+            <a:schemeClr val="lt1"/>
+          </a:fontRef>
+        </p:style>
+        <p:txBody>
+          <a:bodyPr rtlCol="0" anchor="ctr"/>
+          <a:lstStyle/>
+          <a:p>
+            <a:pPr algn="ctr"/>
+            <a:endParaRPr lang="en-US"/>
+          </a:p>
+        </p:txBody>
+      </p:sp>
+      <p:sp>
+        <p:nvSpPr>
+          <p:cNvPr id="10" name="Rectangle 9">
+            <a:extLst>
+              <a:ext uri="{FF2B5EF4-FFF2-40B4-BE49-F238E27FC236}">
+                <a16:creationId xmlns:a16="http://schemas.microsoft.com/office/drawing/2014/main" id="{C05F78FD-A2DB-4968-4262-4CA51FF53814}"/>
+              </a:ext>
+              <a:ext uri="{C183D7F6-B498-43B3-948B-1728B52AA6E4}">
+                <adec:decorative xmlns:adec="http://schemas.microsoft.com/office/drawing/2017/decorative" val="1"/>
+              </a:ext>
+            </a:extLst>
+          </p:cNvPr>
+          <p:cNvSpPr>
+            <a:spLocks noGrp="1" noRot="1" noChangeAspect="1" noMove="1" noResize="1" noEditPoints="1" noAdjustHandles="1" noChangeArrowheads="1" noChangeShapeType="1" noTextEdit="1"/>
+          </p:cNvSpPr>
+          <p:nvPr>
+            <p:extLst>
+              <p:ext uri="{386F3935-93C4-4BCD-93E2-E3B085C9AB24}">
+                <p16:designElem xmlns:p16="http://schemas.microsoft.com/office/powerpoint/2015/main" val="1"/>
+              </p:ext>
+            </p:extLst>
+          </p:nvPr>
+        </p:nvSpPr>
+        <p:spPr>
+          <a:xfrm>
+            <a:off x="806195" y="806204"/>
+            <a:ext cx="10579608" cy="1664208"/>
+          </a:xfrm>
+          <a:prstGeom prst="rect">
+            <a:avLst/>
+          </a:prstGeom>
+          <a:noFill/>
+          <a:ln cap="sq">
+            <a:solidFill>
+              <a:schemeClr val="bg1"/>
+            </a:solidFill>
+            <a:miter lim="800000"/>
+          </a:ln>
+        </p:spPr>
+        <p:style>
+          <a:lnRef idx="2">
+            <a:schemeClr val="accent1">
+              <a:shade val="50000"/>
+            </a:schemeClr>
+          </a:lnRef>
+          <a:fillRef idx="1">
+            <a:schemeClr val="accent1"/>
+          </a:fillRef>
+          <a:effectRef idx="0">
+            <a:schemeClr val="accent1"/>
+          </a:effectRef>
+          <a:fontRef idx="minor">
+            <a:schemeClr val="lt1"/>
+          </a:fontRef>
+        </p:style>
+        <p:txBody>
+          <a:bodyPr rtlCol="0" anchor="ctr"/>
+          <a:lstStyle/>
+          <a:p>
+            <a:pPr algn="ctr"/>
+            <a:endParaRPr lang="en-US"/>
+          </a:p>
+        </p:txBody>
+      </p:sp>
+      <p:sp>
+        <p:nvSpPr>
+          <p:cNvPr id="2" name="Title 1">
+            <a:extLst>
+              <a:ext uri="{FF2B5EF4-FFF2-40B4-BE49-F238E27FC236}">
+                <a16:creationId xmlns:a16="http://schemas.microsoft.com/office/drawing/2014/main" id="{A99EBBEA-E40C-F462-EFA5-0DDA15A620FB}"/>
+              </a:ext>
+            </a:extLst>
+          </p:cNvPr>
+          <p:cNvSpPr>
+            <a:spLocks noGrp="1"/>
+          </p:cNvSpPr>
+          <p:nvPr>
+            <p:ph type="title"/>
+          </p:nvPr>
+        </p:nvSpPr>
+        <p:spPr>
+          <a:xfrm>
+            <a:off x="1071846" y="1059736"/>
+            <a:ext cx="10040233" cy="1228130"/>
+          </a:xfrm>
+        </p:spPr>
+        <p:txBody>
+          <a:bodyPr>
+            <a:normAutofit/>
+          </a:bodyPr>
+          <a:lstStyle/>
+          <a:p>
+            <a:r>
+              <a:rPr lang="en-US" b="1" dirty="0" err="1">
+                <a:solidFill>
+                  <a:srgbClr val="FFFFFF"/>
+                </a:solidFill>
+              </a:rPr>
+              <a:t>Modulação</a:t>
+            </a:r>
+            <a:r>
+              <a:rPr lang="en-US" b="1" dirty="0">
+                <a:solidFill>
+                  <a:srgbClr val="FFFFFF"/>
+                </a:solidFill>
+              </a:rPr>
+              <a:t> e </a:t>
+            </a:r>
+            <a:r>
+              <a:rPr lang="en-US" b="1" dirty="0" err="1">
                 <a:solidFill>
                   <a:srgbClr val="FFFFFF"/>
                 </a:solidFill>
               </a:rPr>
               <a:t>Multiplexação</a:t>
             </a:r>
+            <a:endParaRPr lang="en-US" b="1" dirty="0">
+              <a:solidFill>
+                <a:srgbClr val="FFFFFF"/>
+              </a:solidFill>
+            </a:endParaRPr>
           </a:p>
         </p:txBody>
       </p:sp>
@@ -17347,7 +17675,7 @@
 </p:sld>
 </file>
 
-<file path=ppt/slides/slide32.xml><?xml version="1.0" encoding="utf-8"?>
+<file path=ppt/slides/slide33.xml><?xml version="1.0" encoding="utf-8"?>
 <p:sld xmlns:a="http://schemas.openxmlformats.org/drawingml/2006/main" xmlns:r="http://schemas.openxmlformats.org/officeDocument/2006/relationships" xmlns:p="http://schemas.openxmlformats.org/presentationml/2006/main">
   <p:cSld>
     <p:bg>
@@ -17523,7 +17851,7 @@
 </p:sld>
 </file>
 
-<file path=ppt/slides/slide33.xml><?xml version="1.0" encoding="utf-8"?>
+<file path=ppt/slides/slide34.xml><?xml version="1.0" encoding="utf-8"?>
 <p:sld xmlns:a="http://schemas.openxmlformats.org/drawingml/2006/main" xmlns:r="http://schemas.openxmlformats.org/officeDocument/2006/relationships" xmlns:p="http://schemas.openxmlformats.org/presentationml/2006/main">
   <p:cSld>
     <p:bg>

--- a/Tecnologia da Informação e Conectividade/03-Camada Fisica.pptx
+++ b/Tecnologia da Informação e Conectividade/03-Camada Fisica.pptx
@@ -6364,7 +6364,7 @@
           <a:p>
             <a:fld id="{BF7D3F7B-75AB-4CB3-B186-3C320A4DEF15}" type="datetimeFigureOut">
               <a:rPr lang="en-US" smtClean="0"/>
-              <a:t>8/18/2025</a:t>
+              <a:t>8/20/2025</a:t>
             </a:fld>
             <a:endParaRPr lang="en-US"/>
           </a:p>
@@ -6915,7 +6915,7 @@
           <a:p>
             <a:fld id="{1B42E665-BA81-42C1-BCA0-F2F85EBCF484}" type="datetimeFigureOut">
               <a:rPr lang="en-US" smtClean="0"/>
-              <a:t>8/18/2025</a:t>
+              <a:t>8/20/2025</a:t>
             </a:fld>
             <a:endParaRPr lang="en-US"/>
           </a:p>
@@ -7105,7 +7105,7 @@
           <a:p>
             <a:fld id="{1B42E665-BA81-42C1-BCA0-F2F85EBCF484}" type="datetimeFigureOut">
               <a:rPr lang="en-US" smtClean="0"/>
-              <a:t>8/18/2025</a:t>
+              <a:t>8/20/2025</a:t>
             </a:fld>
             <a:endParaRPr lang="en-US"/>
           </a:p>
@@ -7285,7 +7285,7 @@
           <a:p>
             <a:fld id="{1B42E665-BA81-42C1-BCA0-F2F85EBCF484}" type="datetimeFigureOut">
               <a:rPr lang="en-US" smtClean="0"/>
-              <a:t>8/18/2025</a:t>
+              <a:t>8/20/2025</a:t>
             </a:fld>
             <a:endParaRPr lang="en-US"/>
           </a:p>
@@ -7455,7 +7455,7 @@
           <a:p>
             <a:fld id="{1B42E665-BA81-42C1-BCA0-F2F85EBCF484}" type="datetimeFigureOut">
               <a:rPr lang="en-US" smtClean="0"/>
-              <a:t>8/18/2025</a:t>
+              <a:t>8/20/2025</a:t>
             </a:fld>
             <a:endParaRPr lang="en-US"/>
           </a:p>
@@ -7711,7 +7711,7 @@
           <a:p>
             <a:fld id="{1B42E665-BA81-42C1-BCA0-F2F85EBCF484}" type="datetimeFigureOut">
               <a:rPr lang="en-US" smtClean="0"/>
-              <a:t>8/18/2025</a:t>
+              <a:t>8/20/2025</a:t>
             </a:fld>
             <a:endParaRPr lang="en-US"/>
           </a:p>
@@ -7999,7 +7999,7 @@
           <a:p>
             <a:fld id="{1B42E665-BA81-42C1-BCA0-F2F85EBCF484}" type="datetimeFigureOut">
               <a:rPr lang="en-US" smtClean="0"/>
-              <a:t>8/18/2025</a:t>
+              <a:t>8/20/2025</a:t>
             </a:fld>
             <a:endParaRPr lang="en-US"/>
           </a:p>
@@ -8437,7 +8437,7 @@
           <a:p>
             <a:fld id="{1B42E665-BA81-42C1-BCA0-F2F85EBCF484}" type="datetimeFigureOut">
               <a:rPr lang="en-US" smtClean="0"/>
-              <a:t>8/18/2025</a:t>
+              <a:t>8/20/2025</a:t>
             </a:fld>
             <a:endParaRPr lang="en-US"/>
           </a:p>
@@ -8555,7 +8555,7 @@
           <a:p>
             <a:fld id="{1B42E665-BA81-42C1-BCA0-F2F85EBCF484}" type="datetimeFigureOut">
               <a:rPr lang="en-US" smtClean="0"/>
-              <a:t>8/18/2025</a:t>
+              <a:t>8/20/2025</a:t>
             </a:fld>
             <a:endParaRPr lang="en-US"/>
           </a:p>
@@ -8650,7 +8650,7 @@
           <a:p>
             <a:fld id="{1B42E665-BA81-42C1-BCA0-F2F85EBCF484}" type="datetimeFigureOut">
               <a:rPr lang="en-US" smtClean="0"/>
-              <a:t>8/18/2025</a:t>
+              <a:t>8/20/2025</a:t>
             </a:fld>
             <a:endParaRPr lang="en-US"/>
           </a:p>
@@ -9006,7 +9006,7 @@
           <a:p>
             <a:fld id="{1B42E665-BA81-42C1-BCA0-F2F85EBCF484}" type="datetimeFigureOut">
               <a:rPr lang="en-US" smtClean="0"/>
-              <a:t>8/18/2025</a:t>
+              <a:t>8/20/2025</a:t>
             </a:fld>
             <a:endParaRPr lang="en-US"/>
           </a:p>
@@ -9322,7 +9322,7 @@
           <a:p>
             <a:fld id="{1B42E665-BA81-42C1-BCA0-F2F85EBCF484}" type="datetimeFigureOut">
               <a:rPr lang="en-US" smtClean="0"/>
-              <a:t>8/18/2025</a:t>
+              <a:t>8/20/2025</a:t>
             </a:fld>
             <a:endParaRPr lang="en-US"/>
           </a:p>
@@ -9555,7 +9555,7 @@
           <a:p>
             <a:fld id="{1B42E665-BA81-42C1-BCA0-F2F85EBCF484}" type="datetimeFigureOut">
               <a:rPr lang="en-US" smtClean="0"/>
-              <a:t>8/18/2025</a:t>
+              <a:t>8/20/2025</a:t>
             </a:fld>
             <a:endParaRPr lang="en-US"/>
           </a:p>
@@ -10415,7 +10415,7 @@
           </a:stretch>
         </p:blipFill>
         <p:spPr bwMode="auto">
-          <a:xfrm>
+          <a:xfrm flipV="1">
             <a:off x="7290482" y="2886681"/>
             <a:ext cx="4095321" cy="2841825"/>
           </a:xfrm>
